--- a/lectures/powerpoints/hands-on-2+washup.pptx
+++ b/lectures/powerpoints/hands-on-2+washup.pptx
@@ -5,22 +5,19 @@
     <p:sldMasterId id="2147483660" r:id="rId1"/>
   </p:sldMasterIdLst>
   <p:notesMasterIdLst>
-    <p:notesMasterId r:id="rId12"/>
+    <p:notesMasterId r:id="rId9"/>
   </p:notesMasterIdLst>
   <p:handoutMasterIdLst>
-    <p:handoutMasterId r:id="rId13"/>
+    <p:handoutMasterId r:id="rId10"/>
   </p:handoutMasterIdLst>
   <p:sldIdLst>
     <p:sldId id="286" r:id="rId2"/>
     <p:sldId id="4761" r:id="rId3"/>
-    <p:sldId id="4770" r:id="rId4"/>
-    <p:sldId id="4762" r:id="rId5"/>
-    <p:sldId id="4763" r:id="rId6"/>
-    <p:sldId id="4765" r:id="rId7"/>
-    <p:sldId id="4764" r:id="rId8"/>
-    <p:sldId id="4771" r:id="rId9"/>
-    <p:sldId id="4772" r:id="rId10"/>
-    <p:sldId id="4769" r:id="rId11"/>
+    <p:sldId id="4762" r:id="rId4"/>
+    <p:sldId id="4765" r:id="rId5"/>
+    <p:sldId id="4764" r:id="rId6"/>
+    <p:sldId id="4771" r:id="rId7"/>
+    <p:sldId id="4772" r:id="rId8"/>
   </p:sldIdLst>
   <p:sldSz cx="12192000" cy="6858000"/>
   <p:notesSz cx="6858000" cy="9144000"/>
@@ -144,7 +141,7 @@
 <file path=ppt/revisionInfo.xml><?xml version="1.0" encoding="utf-8"?>
 <p1510:revInfo xmlns:a="http://schemas.openxmlformats.org/drawingml/2006/main" xmlns:r="http://schemas.openxmlformats.org/officeDocument/2006/relationships" xmlns:p1510="http://schemas.microsoft.com/office/powerpoint/2015/10/main">
   <p1510:revLst>
-    <p1510:client id="{FC271AF9-2AEA-492D-BBE0-1C724531AF59}" v="67" dt="2023-12-03T18:30:11.512"/>
+    <p1510:client id="{31031F49-A08A-4C63-9DBE-F8727125D082}" v="4" dt="2023-12-19T18:52:40.316"/>
   </p1510:revLst>
 </p1510:revInfo>
 </file>
@@ -206,7 +203,7 @@
           <a:p>
             <a:fld id="{237A3326-6BE8-4DE2-A526-66D6DC5DC342}" type="datetimeFigureOut">
               <a:rPr lang="en-GB" smtClean="0"/>
-              <a:t>06/12/2023</a:t>
+              <a:t>19/12/2023</a:t>
             </a:fld>
             <a:endParaRPr lang="en-GB"/>
           </a:p>
@@ -383,7 +380,7 @@
           <a:p>
             <a:fld id="{198E9702-0021-4473-93B9-41638846F4C4}" type="datetimeFigureOut">
               <a:rPr lang="en-GB" smtClean="0"/>
-              <a:t>06/12/2023</a:t>
+              <a:t>19/12/2023</a:t>
             </a:fld>
             <a:endParaRPr lang="en-GB"/>
           </a:p>
@@ -735,111 +732,6 @@
 </p:notes>
 </file>
 
-<file path=ppt/notesSlides/notesSlide10.xml><?xml version="1.0" encoding="utf-8"?>
-<p:notes xmlns:a="http://schemas.openxmlformats.org/drawingml/2006/main" xmlns:r="http://schemas.openxmlformats.org/officeDocument/2006/relationships" xmlns:p="http://schemas.openxmlformats.org/presentationml/2006/main">
-  <p:cSld>
-    <p:spTree>
-      <p:nvGrpSpPr>
-        <p:cNvPr id="1" name=""/>
-        <p:cNvGrpSpPr/>
-        <p:nvPr/>
-      </p:nvGrpSpPr>
-      <p:grpSpPr>
-        <a:xfrm>
-          <a:off x="0" y="0"/>
-          <a:ext cx="0" cy="0"/>
-          <a:chOff x="0" y="0"/>
-          <a:chExt cx="0" cy="0"/>
-        </a:xfrm>
-      </p:grpSpPr>
-      <p:sp>
-        <p:nvSpPr>
-          <p:cNvPr id="2" name="Slide Image Placeholder 1"/>
-          <p:cNvSpPr>
-            <a:spLocks noGrp="1" noRot="1" noChangeAspect="1"/>
-          </p:cNvSpPr>
-          <p:nvPr>
-            <p:ph type="sldImg"/>
-          </p:nvPr>
-        </p:nvSpPr>
-        <p:spPr/>
-      </p:sp>
-      <p:sp>
-        <p:nvSpPr>
-          <p:cNvPr id="3" name="Notes Placeholder 2"/>
-          <p:cNvSpPr>
-            <a:spLocks noGrp="1"/>
-          </p:cNvSpPr>
-          <p:nvPr>
-            <p:ph type="body" idx="1"/>
-          </p:nvPr>
-        </p:nvSpPr>
-        <p:spPr/>
-        <p:txBody>
-          <a:bodyPr/>
-          <a:lstStyle/>
-          <a:p>
-            <a:r>
-              <a:rPr lang="en-US"/>
-              <a:t>When programming the CS-2 device, you’ll leverage our new CSL programming language</a:t>
-            </a:r>
-          </a:p>
-          <a:p>
-            <a:r>
-              <a:rPr lang="en-US"/>
-              <a:t>CSL contains common constructs familiar to most programmers and CSL-specific constructs</a:t>
-            </a:r>
-          </a:p>
-          <a:p>
-            <a:r>
-              <a:rPr lang="en-US"/>
-              <a:t>We’ll cover what some of these look like, </a:t>
-            </a:r>
-          </a:p>
-          <a:p>
-            <a:r>
-              <a:rPr lang="en-US"/>
-              <a:t>But most users who have written C or C++ should be very comfortable using CSL</a:t>
-            </a:r>
-          </a:p>
-        </p:txBody>
-      </p:sp>
-      <p:sp>
-        <p:nvSpPr>
-          <p:cNvPr id="4" name="Slide Number Placeholder 3"/>
-          <p:cNvSpPr>
-            <a:spLocks noGrp="1"/>
-          </p:cNvSpPr>
-          <p:nvPr>
-            <p:ph type="sldNum" sz="quarter" idx="5"/>
-          </p:nvPr>
-        </p:nvSpPr>
-        <p:spPr/>
-        <p:txBody>
-          <a:bodyPr/>
-          <a:lstStyle/>
-          <a:p>
-            <a:fld id="{BB11C354-30B1-BA44-B517-A5A88A902768}" type="slidenum">
-              <a:rPr lang="en-US" smtClean="0"/>
-              <a:t>10</a:t>
-            </a:fld>
-            <a:endParaRPr lang="en-US"/>
-          </a:p>
-        </p:txBody>
-      </p:sp>
-    </p:spTree>
-    <p:extLst>
-      <p:ext uri="{BB962C8B-B14F-4D97-AF65-F5344CB8AC3E}">
-        <p14:creationId xmlns:p14="http://schemas.microsoft.com/office/powerpoint/2010/main" val="2576268347"/>
-      </p:ext>
-    </p:extLst>
-  </p:cSld>
-  <p:clrMapOvr>
-    <a:masterClrMapping/>
-  </p:clrMapOvr>
-</p:notes>
-</file>
-
 <file path=ppt/notesSlides/notesSlide2.xml><?xml version="1.0" encoding="utf-8"?>
 <p:notes xmlns:a="http://schemas.openxmlformats.org/drawingml/2006/main" xmlns:r="http://schemas.openxmlformats.org/officeDocument/2006/relationships" xmlns:p="http://schemas.openxmlformats.org/presentationml/2006/main">
   <p:cSld>
@@ -1040,7 +932,7 @@
     </p:spTree>
     <p:extLst>
       <p:ext uri="{BB962C8B-B14F-4D97-AF65-F5344CB8AC3E}">
-        <p14:creationId xmlns:p14="http://schemas.microsoft.com/office/powerpoint/2010/main" val="798772658"/>
+        <p14:creationId xmlns:p14="http://schemas.microsoft.com/office/powerpoint/2010/main" val="2679084350"/>
       </p:ext>
     </p:extLst>
   </p:cSld>
@@ -1145,7 +1037,7 @@
     </p:spTree>
     <p:extLst>
       <p:ext uri="{BB962C8B-B14F-4D97-AF65-F5344CB8AC3E}">
-        <p14:creationId xmlns:p14="http://schemas.microsoft.com/office/powerpoint/2010/main" val="2679084350"/>
+        <p14:creationId xmlns:p14="http://schemas.microsoft.com/office/powerpoint/2010/main" val="3045615905"/>
       </p:ext>
     </p:extLst>
   </p:cSld>
@@ -1250,7 +1142,7 @@
     </p:spTree>
     <p:extLst>
       <p:ext uri="{BB962C8B-B14F-4D97-AF65-F5344CB8AC3E}">
-        <p14:creationId xmlns:p14="http://schemas.microsoft.com/office/powerpoint/2010/main" val="888251269"/>
+        <p14:creationId xmlns:p14="http://schemas.microsoft.com/office/powerpoint/2010/main" val="589068944"/>
       </p:ext>
     </p:extLst>
   </p:cSld>
@@ -1355,7 +1247,7 @@
     </p:spTree>
     <p:extLst>
       <p:ext uri="{BB962C8B-B14F-4D97-AF65-F5344CB8AC3E}">
-        <p14:creationId xmlns:p14="http://schemas.microsoft.com/office/powerpoint/2010/main" val="3045615905"/>
+        <p14:creationId xmlns:p14="http://schemas.microsoft.com/office/powerpoint/2010/main" val="2482784931"/>
       </p:ext>
     </p:extLst>
   </p:cSld>
@@ -1452,216 +1344,6 @@
             <a:fld id="{BB11C354-30B1-BA44-B517-A5A88A902768}" type="slidenum">
               <a:rPr lang="en-US" smtClean="0"/>
               <a:t>7</a:t>
-            </a:fld>
-            <a:endParaRPr lang="en-US"/>
-          </a:p>
-        </p:txBody>
-      </p:sp>
-    </p:spTree>
-    <p:extLst>
-      <p:ext uri="{BB962C8B-B14F-4D97-AF65-F5344CB8AC3E}">
-        <p14:creationId xmlns:p14="http://schemas.microsoft.com/office/powerpoint/2010/main" val="589068944"/>
-      </p:ext>
-    </p:extLst>
-  </p:cSld>
-  <p:clrMapOvr>
-    <a:masterClrMapping/>
-  </p:clrMapOvr>
-</p:notes>
-</file>
-
-<file path=ppt/notesSlides/notesSlide8.xml><?xml version="1.0" encoding="utf-8"?>
-<p:notes xmlns:a="http://schemas.openxmlformats.org/drawingml/2006/main" xmlns:r="http://schemas.openxmlformats.org/officeDocument/2006/relationships" xmlns:p="http://schemas.openxmlformats.org/presentationml/2006/main">
-  <p:cSld>
-    <p:spTree>
-      <p:nvGrpSpPr>
-        <p:cNvPr id="1" name=""/>
-        <p:cNvGrpSpPr/>
-        <p:nvPr/>
-      </p:nvGrpSpPr>
-      <p:grpSpPr>
-        <a:xfrm>
-          <a:off x="0" y="0"/>
-          <a:ext cx="0" cy="0"/>
-          <a:chOff x="0" y="0"/>
-          <a:chExt cx="0" cy="0"/>
-        </a:xfrm>
-      </p:grpSpPr>
-      <p:sp>
-        <p:nvSpPr>
-          <p:cNvPr id="2" name="Slide Image Placeholder 1"/>
-          <p:cNvSpPr>
-            <a:spLocks noGrp="1" noRot="1" noChangeAspect="1"/>
-          </p:cNvSpPr>
-          <p:nvPr>
-            <p:ph type="sldImg"/>
-          </p:nvPr>
-        </p:nvSpPr>
-        <p:spPr/>
-      </p:sp>
-      <p:sp>
-        <p:nvSpPr>
-          <p:cNvPr id="3" name="Notes Placeholder 2"/>
-          <p:cNvSpPr>
-            <a:spLocks noGrp="1"/>
-          </p:cNvSpPr>
-          <p:nvPr>
-            <p:ph type="body" idx="1"/>
-          </p:nvPr>
-        </p:nvSpPr>
-        <p:spPr/>
-        <p:txBody>
-          <a:bodyPr/>
-          <a:lstStyle/>
-          <a:p>
-            <a:r>
-              <a:rPr lang="en-US"/>
-              <a:t>When programming the CS-2 device, you’ll leverage our new CSL programming language</a:t>
-            </a:r>
-          </a:p>
-          <a:p>
-            <a:r>
-              <a:rPr lang="en-US"/>
-              <a:t>CSL contains common constructs familiar to most programmers and CSL-specific constructs</a:t>
-            </a:r>
-          </a:p>
-          <a:p>
-            <a:r>
-              <a:rPr lang="en-US"/>
-              <a:t>We’ll cover what some of these look like, </a:t>
-            </a:r>
-          </a:p>
-          <a:p>
-            <a:r>
-              <a:rPr lang="en-US"/>
-              <a:t>But most users who have written C or C++ should be very comfortable using CSL</a:t>
-            </a:r>
-          </a:p>
-        </p:txBody>
-      </p:sp>
-      <p:sp>
-        <p:nvSpPr>
-          <p:cNvPr id="4" name="Slide Number Placeholder 3"/>
-          <p:cNvSpPr>
-            <a:spLocks noGrp="1"/>
-          </p:cNvSpPr>
-          <p:nvPr>
-            <p:ph type="sldNum" sz="quarter" idx="5"/>
-          </p:nvPr>
-        </p:nvSpPr>
-        <p:spPr/>
-        <p:txBody>
-          <a:bodyPr/>
-          <a:lstStyle/>
-          <a:p>
-            <a:fld id="{BB11C354-30B1-BA44-B517-A5A88A902768}" type="slidenum">
-              <a:rPr lang="en-US" smtClean="0"/>
-              <a:t>8</a:t>
-            </a:fld>
-            <a:endParaRPr lang="en-US"/>
-          </a:p>
-        </p:txBody>
-      </p:sp>
-    </p:spTree>
-    <p:extLst>
-      <p:ext uri="{BB962C8B-B14F-4D97-AF65-F5344CB8AC3E}">
-        <p14:creationId xmlns:p14="http://schemas.microsoft.com/office/powerpoint/2010/main" val="2482784931"/>
-      </p:ext>
-    </p:extLst>
-  </p:cSld>
-  <p:clrMapOvr>
-    <a:masterClrMapping/>
-  </p:clrMapOvr>
-</p:notes>
-</file>
-
-<file path=ppt/notesSlides/notesSlide9.xml><?xml version="1.0" encoding="utf-8"?>
-<p:notes xmlns:a="http://schemas.openxmlformats.org/drawingml/2006/main" xmlns:r="http://schemas.openxmlformats.org/officeDocument/2006/relationships" xmlns:p="http://schemas.openxmlformats.org/presentationml/2006/main">
-  <p:cSld>
-    <p:spTree>
-      <p:nvGrpSpPr>
-        <p:cNvPr id="1" name=""/>
-        <p:cNvGrpSpPr/>
-        <p:nvPr/>
-      </p:nvGrpSpPr>
-      <p:grpSpPr>
-        <a:xfrm>
-          <a:off x="0" y="0"/>
-          <a:ext cx="0" cy="0"/>
-          <a:chOff x="0" y="0"/>
-          <a:chExt cx="0" cy="0"/>
-        </a:xfrm>
-      </p:grpSpPr>
-      <p:sp>
-        <p:nvSpPr>
-          <p:cNvPr id="2" name="Slide Image Placeholder 1"/>
-          <p:cNvSpPr>
-            <a:spLocks noGrp="1" noRot="1" noChangeAspect="1"/>
-          </p:cNvSpPr>
-          <p:nvPr>
-            <p:ph type="sldImg"/>
-          </p:nvPr>
-        </p:nvSpPr>
-        <p:spPr/>
-      </p:sp>
-      <p:sp>
-        <p:nvSpPr>
-          <p:cNvPr id="3" name="Notes Placeholder 2"/>
-          <p:cNvSpPr>
-            <a:spLocks noGrp="1"/>
-          </p:cNvSpPr>
-          <p:nvPr>
-            <p:ph type="body" idx="1"/>
-          </p:nvPr>
-        </p:nvSpPr>
-        <p:spPr/>
-        <p:txBody>
-          <a:bodyPr/>
-          <a:lstStyle/>
-          <a:p>
-            <a:r>
-              <a:rPr lang="en-US"/>
-              <a:t>When programming the CS-2 device, you’ll leverage our new CSL programming language</a:t>
-            </a:r>
-          </a:p>
-          <a:p>
-            <a:r>
-              <a:rPr lang="en-US"/>
-              <a:t>CSL contains common constructs familiar to most programmers and CSL-specific constructs</a:t>
-            </a:r>
-          </a:p>
-          <a:p>
-            <a:r>
-              <a:rPr lang="en-US"/>
-              <a:t>We’ll cover what some of these look like, </a:t>
-            </a:r>
-          </a:p>
-          <a:p>
-            <a:r>
-              <a:rPr lang="en-US"/>
-              <a:t>But most users who have written C or C++ should be very comfortable using CSL</a:t>
-            </a:r>
-          </a:p>
-        </p:txBody>
-      </p:sp>
-      <p:sp>
-        <p:nvSpPr>
-          <p:cNvPr id="4" name="Slide Number Placeholder 3"/>
-          <p:cNvSpPr>
-            <a:spLocks noGrp="1"/>
-          </p:cNvSpPr>
-          <p:nvPr>
-            <p:ph type="sldNum" sz="quarter" idx="5"/>
-          </p:nvPr>
-        </p:nvSpPr>
-        <p:spPr/>
-        <p:txBody>
-          <a:bodyPr/>
-          <a:lstStyle/>
-          <a:p>
-            <a:fld id="{BB11C354-30B1-BA44-B517-A5A88A902768}" type="slidenum">
-              <a:rPr lang="en-US" smtClean="0"/>
-              <a:t>9</a:t>
             </a:fld>
             <a:endParaRPr lang="en-US"/>
           </a:p>
@@ -1840,7 +1522,7 @@
           <a:p>
             <a:fld id="{B1836D41-3C4D-1D49-AA54-4231464E6415}" type="datetimeFigureOut">
               <a:rPr lang="en-US" smtClean="0"/>
-              <a:t>12/6/23</a:t>
+              <a:t>12/19/2023</a:t>
             </a:fld>
             <a:endParaRPr lang="en-US"/>
           </a:p>
@@ -2044,7 +1726,7 @@
           <a:p>
             <a:fld id="{B1836D41-3C4D-1D49-AA54-4231464E6415}" type="datetimeFigureOut">
               <a:rPr lang="en-US" smtClean="0"/>
-              <a:t>12/6/23</a:t>
+              <a:t>12/19/2023</a:t>
             </a:fld>
             <a:endParaRPr lang="en-US"/>
           </a:p>
@@ -2225,7 +1907,7 @@
           <a:p>
             <a:fld id="{B1836D41-3C4D-1D49-AA54-4231464E6415}" type="datetimeFigureOut">
               <a:rPr lang="en-US" smtClean="0"/>
-              <a:t>12/6/23</a:t>
+              <a:t>12/19/2023</a:t>
             </a:fld>
             <a:endParaRPr lang="en-US"/>
           </a:p>
@@ -2400,7 +2082,7 @@
           <a:p>
             <a:fld id="{B1836D41-3C4D-1D49-AA54-4231464E6415}" type="datetimeFigureOut">
               <a:rPr lang="en-US" smtClean="0"/>
-              <a:t>12/6/23</a:t>
+              <a:t>12/19/2023</a:t>
             </a:fld>
             <a:endParaRPr lang="en-US"/>
           </a:p>
@@ -2648,7 +2330,7 @@
           <a:p>
             <a:fld id="{B1836D41-3C4D-1D49-AA54-4231464E6415}" type="datetimeFigureOut">
               <a:rPr lang="en-US" smtClean="0"/>
-              <a:t>12/6/23</a:t>
+              <a:t>12/19/2023</a:t>
             </a:fld>
             <a:endParaRPr lang="en-US"/>
           </a:p>
@@ -2965,7 +2647,7 @@
           <a:p>
             <a:fld id="{B1836D41-3C4D-1D49-AA54-4231464E6415}" type="datetimeFigureOut">
               <a:rPr lang="en-US" smtClean="0"/>
-              <a:t>12/6/23</a:t>
+              <a:t>12/19/2023</a:t>
             </a:fld>
             <a:endParaRPr lang="en-US"/>
           </a:p>
@@ -3431,7 +3113,7 @@
           <a:p>
             <a:fld id="{B1836D41-3C4D-1D49-AA54-4231464E6415}" type="datetimeFigureOut">
               <a:rPr lang="en-US" smtClean="0"/>
-              <a:t>12/6/23</a:t>
+              <a:t>12/19/2023</a:t>
             </a:fld>
             <a:endParaRPr lang="en-US"/>
           </a:p>
@@ -3578,7 +3260,7 @@
           <a:p>
             <a:fld id="{B1836D41-3C4D-1D49-AA54-4231464E6415}" type="datetimeFigureOut">
               <a:rPr lang="en-US" smtClean="0"/>
-              <a:t>12/6/23</a:t>
+              <a:t>12/19/2023</a:t>
             </a:fld>
             <a:endParaRPr lang="en-US"/>
           </a:p>
@@ -3668,7 +3350,7 @@
           <a:p>
             <a:fld id="{B1836D41-3C4D-1D49-AA54-4231464E6415}" type="datetimeFigureOut">
               <a:rPr lang="en-US" smtClean="0"/>
-              <a:t>12/6/23</a:t>
+              <a:t>12/19/2023</a:t>
             </a:fld>
             <a:endParaRPr lang="en-US"/>
           </a:p>
@@ -3942,7 +3624,7 @@
           <a:p>
             <a:fld id="{B1836D41-3C4D-1D49-AA54-4231464E6415}" type="datetimeFigureOut">
               <a:rPr lang="en-US" smtClean="0"/>
-              <a:t>12/6/23</a:t>
+              <a:t>12/19/2023</a:t>
             </a:fld>
             <a:endParaRPr lang="en-US"/>
           </a:p>
@@ -4247,7 +3929,7 @@
           <a:p>
             <a:fld id="{B1836D41-3C4D-1D49-AA54-4231464E6415}" type="datetimeFigureOut">
               <a:rPr lang="en-US" smtClean="0"/>
-              <a:t>12/6/23</a:t>
+              <a:t>12/19/2023</a:t>
             </a:fld>
             <a:endParaRPr lang="en-US"/>
           </a:p>
@@ -4544,7 +4226,7 @@
           <a:p>
             <a:fld id="{B1836D41-3C4D-1D49-AA54-4231464E6415}" type="datetimeFigureOut">
               <a:rPr lang="en-US" smtClean="0"/>
-              <a:t>12/6/23</a:t>
+              <a:t>12/19/2023</a:t>
             </a:fld>
             <a:endParaRPr lang="en-US"/>
           </a:p>
@@ -5139,154 +4821,75 @@
       </p:pic>
       <p:pic>
         <p:nvPicPr>
-          <p:cNvPr id="4" name="Picture 2" descr="Product - Chip - Cerebras">
+          <p:cNvPr id="2" name="Picture 1">
             <a:extLst>
               <a:ext uri="{FF2B5EF4-FFF2-40B4-BE49-F238E27FC236}">
-                <a16:creationId xmlns:a16="http://schemas.microsoft.com/office/drawing/2014/main" id="{59064D1E-C053-1E43-5898-56E21257BFAC}"/>
+                <a16:creationId xmlns:a16="http://schemas.microsoft.com/office/drawing/2014/main" id="{E92739F0-A737-1032-FA51-F70A39FA0FA0}"/>
               </a:ext>
             </a:extLst>
           </p:cNvPr>
           <p:cNvPicPr>
-            <a:picLocks noChangeAspect="1" noChangeArrowheads="1"/>
+            <a:picLocks noChangeAspect="1"/>
           </p:cNvPicPr>
           <p:nvPr/>
         </p:nvPicPr>
-        <p:blipFill>
-          <a:blip r:embed="rId6">
+        <p:blipFill rotWithShape="1">
+          <a:blip r:embed="rId6" cstate="print">
             <a:extLst>
               <a:ext uri="{28A0092B-C50C-407E-A947-70E740481C1C}">
-                <a14:useLocalDpi xmlns:a14="http://schemas.microsoft.com/office/drawing/2010/main" val="0"/>
+                <a14:useLocalDpi xmlns:a14="http://schemas.microsoft.com/office/drawing/2010/main"/>
               </a:ext>
             </a:extLst>
           </a:blip>
           <a:srcRect/>
-          <a:stretch>
-            <a:fillRect/>
-          </a:stretch>
+          <a:stretch/>
         </p:blipFill>
-        <p:spPr bwMode="auto">
+        <p:spPr>
           <a:xfrm>
-            <a:off x="4196979" y="2265153"/>
-            <a:ext cx="3570782" cy="3570782"/>
+            <a:off x="4759236" y="1906682"/>
+            <a:ext cx="7169412" cy="3724389"/>
           </a:xfrm>
           <a:prstGeom prst="rect">
             <a:avLst/>
           </a:prstGeom>
-          <a:noFill/>
-          <a:extLst>
-            <a:ext uri="{909E8E84-426E-40DD-AFC4-6F175D3DCCD1}">
-              <a14:hiddenFill xmlns:a14="http://schemas.microsoft.com/office/drawing/2010/main">
-                <a:solidFill>
-                  <a:srgbClr val="FFFFFF"/>
-                </a:solidFill>
-              </a14:hiddenFill>
-            </a:ext>
-          </a:extLst>
+        </p:spPr>
+      </p:pic>
+      <p:pic>
+        <p:nvPicPr>
+          <p:cNvPr id="5" name="Picture 4">
+            <a:extLst>
+              <a:ext uri="{FF2B5EF4-FFF2-40B4-BE49-F238E27FC236}">
+                <a16:creationId xmlns:a16="http://schemas.microsoft.com/office/drawing/2014/main" id="{7BD8349C-CF66-5C1D-DD4F-A63D0A408EF9}"/>
+              </a:ext>
+              <a:ext uri="{C183D7F6-B498-43B3-948B-1728B52AA6E4}">
+                <adec:decorative xmlns:adec="http://schemas.microsoft.com/office/drawing/2017/decorative" val="1"/>
+              </a:ext>
+            </a:extLst>
+          </p:cNvPr>
+          <p:cNvPicPr>
+            <a:picLocks noChangeAspect="1"/>
+          </p:cNvPicPr>
+          <p:nvPr/>
+        </p:nvPicPr>
+        <p:blipFill rotWithShape="1">
+          <a:blip r:embed="rId7"/>
+          <a:srcRect l="20566" r="17432"/>
+          <a:stretch/>
+        </p:blipFill>
+        <p:spPr>
+          <a:xfrm>
+            <a:off x="617655" y="1893479"/>
+            <a:ext cx="3052344" cy="3892770"/>
+          </a:xfrm>
+          <a:prstGeom prst="rect">
+            <a:avLst/>
+          </a:prstGeom>
         </p:spPr>
       </p:pic>
     </p:spTree>
     <p:extLst>
       <p:ext uri="{BB962C8B-B14F-4D97-AF65-F5344CB8AC3E}">
         <p14:creationId xmlns:p14="http://schemas.microsoft.com/office/powerpoint/2010/main" val="2573018057"/>
-      </p:ext>
-    </p:extLst>
-  </p:cSld>
-  <p:clrMapOvr>
-    <a:masterClrMapping/>
-  </p:clrMapOvr>
-</p:sld>
-</file>
-
-<file path=ppt/slides/slide10.xml><?xml version="1.0" encoding="utf-8"?>
-<p:sld xmlns:a="http://schemas.openxmlformats.org/drawingml/2006/main" xmlns:r="http://schemas.openxmlformats.org/officeDocument/2006/relationships" xmlns:p="http://schemas.openxmlformats.org/presentationml/2006/main">
-  <p:cSld>
-    <p:spTree>
-      <p:nvGrpSpPr>
-        <p:cNvPr id="1" name=""/>
-        <p:cNvGrpSpPr/>
-        <p:nvPr/>
-      </p:nvGrpSpPr>
-      <p:grpSpPr>
-        <a:xfrm>
-          <a:off x="0" y="0"/>
-          <a:ext cx="0" cy="0"/>
-          <a:chOff x="0" y="0"/>
-          <a:chExt cx="0" cy="0"/>
-        </a:xfrm>
-      </p:grpSpPr>
-      <p:sp>
-        <p:nvSpPr>
-          <p:cNvPr id="3" name="Content Placeholder 2">
-            <a:extLst>
-              <a:ext uri="{FF2B5EF4-FFF2-40B4-BE49-F238E27FC236}">
-                <a16:creationId xmlns:a16="http://schemas.microsoft.com/office/drawing/2014/main" id="{67061966-FAF3-F54F-95A0-AD61FD51424D}"/>
-              </a:ext>
-            </a:extLst>
-          </p:cNvPr>
-          <p:cNvSpPr>
-            <a:spLocks noGrp="1"/>
-          </p:cNvSpPr>
-          <p:nvPr>
-            <p:ph idx="1"/>
-          </p:nvPr>
-        </p:nvSpPr>
-        <p:spPr>
-          <a:xfrm>
-            <a:off x="361543" y="1556792"/>
-            <a:ext cx="10998200" cy="4824518"/>
-          </a:xfrm>
-        </p:spPr>
-        <p:txBody>
-          <a:bodyPr>
-            <a:normAutofit/>
-          </a:bodyPr>
-          <a:lstStyle/>
-          <a:p>
-            <a:r>
-              <a:rPr lang="en-AU" dirty="0"/>
-              <a:t>Questions?</a:t>
-            </a:r>
-            <a:endParaRPr lang="en-US" dirty="0"/>
-          </a:p>
-        </p:txBody>
-      </p:sp>
-      <p:sp>
-        <p:nvSpPr>
-          <p:cNvPr id="2" name="Title 1">
-            <a:extLst>
-              <a:ext uri="{FF2B5EF4-FFF2-40B4-BE49-F238E27FC236}">
-                <a16:creationId xmlns:a16="http://schemas.microsoft.com/office/drawing/2014/main" id="{9C32B9BB-9B28-D34A-8B6B-CA0763BA5B81}"/>
-              </a:ext>
-            </a:extLst>
-          </p:cNvPr>
-          <p:cNvSpPr>
-            <a:spLocks noGrp="1"/>
-          </p:cNvSpPr>
-          <p:nvPr>
-            <p:ph type="title"/>
-          </p:nvPr>
-        </p:nvSpPr>
-        <p:spPr>
-          <a:xfrm>
-            <a:off x="361543" y="508958"/>
-            <a:ext cx="10998200" cy="795852"/>
-          </a:xfrm>
-        </p:spPr>
-        <p:txBody>
-          <a:bodyPr/>
-          <a:lstStyle/>
-          <a:p>
-            <a:r>
-              <a:rPr lang="en-US" dirty="0"/>
-              <a:t>Wash-up for ex2:</a:t>
-            </a:r>
-          </a:p>
-        </p:txBody>
-      </p:sp>
-    </p:spTree>
-    <p:extLst>
-      <p:ext uri="{BB962C8B-B14F-4D97-AF65-F5344CB8AC3E}">
-        <p14:creationId xmlns:p14="http://schemas.microsoft.com/office/powerpoint/2010/main" val="3832980059"/>
       </p:ext>
     </p:extLst>
   </p:cSld>
@@ -5331,19 +4934,19 @@
         </p:nvSpPr>
         <p:spPr>
           <a:xfrm>
-            <a:off x="361543" y="1556792"/>
-            <a:ext cx="10998200" cy="4824518"/>
+            <a:off x="112767" y="1814859"/>
+            <a:ext cx="3677487" cy="4248472"/>
           </a:xfrm>
         </p:spPr>
         <p:txBody>
           <a:bodyPr>
-            <a:normAutofit/>
+            <a:normAutofit fontScale="92500" lnSpcReduction="20000"/>
           </a:bodyPr>
           <a:lstStyle/>
           <a:p>
             <a:r>
               <a:rPr lang="en-US" dirty="0"/>
-              <a:t>Perform Matrix-Vector Multiplication on a Two adjacent PEs</a:t>
+              <a:t>Perform Matrix-Vector Multiplication on two adjacent PEs</a:t>
             </a:r>
           </a:p>
           <a:p>
@@ -5360,7 +4963,7 @@
             </a:r>
             <a:r>
               <a:rPr lang="en-US" dirty="0"/>
-              <a:t> – M rows, N columns)</a:t>
+              <a:t> with M rows, N columns)</a:t>
             </a:r>
           </a:p>
           <a:p>
@@ -5438,6 +5041,65 @@
           </a:p>
         </p:txBody>
       </p:sp>
+      <p:pic>
+        <p:nvPicPr>
+          <p:cNvPr id="4" name="Content Placeholder 4" descr="A screenshot of a computer program&#10;&#10;Description automatically generated">
+            <a:extLst>
+              <a:ext uri="{FF2B5EF4-FFF2-40B4-BE49-F238E27FC236}">
+                <a16:creationId xmlns:a16="http://schemas.microsoft.com/office/drawing/2014/main" id="{1095AE5D-B15D-95C7-E31F-4CDF8476F90D}"/>
+              </a:ext>
+            </a:extLst>
+          </p:cNvPr>
+          <p:cNvPicPr>
+            <a:picLocks noChangeAspect="1"/>
+          </p:cNvPicPr>
+          <p:nvPr/>
+        </p:nvPicPr>
+        <p:blipFill>
+          <a:blip r:embed="rId3"/>
+          <a:stretch>
+            <a:fillRect/>
+          </a:stretch>
+        </p:blipFill>
+        <p:spPr>
+          <a:xfrm>
+            <a:off x="4007768" y="1286373"/>
+            <a:ext cx="3886942" cy="3780374"/>
+          </a:xfrm>
+          <a:prstGeom prst="rect">
+            <a:avLst/>
+          </a:prstGeom>
+        </p:spPr>
+      </p:pic>
+      <p:pic>
+        <p:nvPicPr>
+          <p:cNvPr id="5" name="Picture 4" descr="A screenshot of a computer program&#10;&#10;Description automatically generated">
+            <a:extLst>
+              <a:ext uri="{FF2B5EF4-FFF2-40B4-BE49-F238E27FC236}">
+                <a16:creationId xmlns:a16="http://schemas.microsoft.com/office/drawing/2014/main" id="{C1A85125-77C4-B2B2-914D-47310F3BFBCD}"/>
+              </a:ext>
+            </a:extLst>
+          </p:cNvPr>
+          <p:cNvPicPr>
+            <a:picLocks noChangeAspect="1"/>
+          </p:cNvPicPr>
+          <p:nvPr/>
+        </p:nvPicPr>
+        <p:blipFill rotWithShape="1">
+          <a:blip r:embed="rId4"/>
+          <a:srcRect l="2181" r="-1"/>
+          <a:stretch/>
+        </p:blipFill>
+        <p:spPr>
+          <a:xfrm>
+            <a:off x="8112224" y="1256150"/>
+            <a:ext cx="3952790" cy="5085184"/>
+          </a:xfrm>
+          <a:prstGeom prst="rect">
+            <a:avLst/>
+          </a:prstGeom>
+        </p:spPr>
+      </p:pic>
     </p:spTree>
     <p:extLst>
       <p:ext uri="{BB962C8B-B14F-4D97-AF65-F5344CB8AC3E}">
@@ -5468,35 +5130,115 @@
           <a:chExt cx="0" cy="0"/>
         </a:xfrm>
       </p:grpSpPr>
-      <p:pic>
-        <p:nvPicPr>
-          <p:cNvPr id="5" name="Content Placeholder 4" descr="A screenshot of a computer program&#10;&#10;Description automatically generated">
+      <p:sp>
+        <p:nvSpPr>
+          <p:cNvPr id="3" name="Content Placeholder 2">
             <a:extLst>
               <a:ext uri="{FF2B5EF4-FFF2-40B4-BE49-F238E27FC236}">
-                <a16:creationId xmlns:a16="http://schemas.microsoft.com/office/drawing/2014/main" id="{C3532A74-9613-1472-7C3A-A3B49B634482}"/>
+                <a16:creationId xmlns:a16="http://schemas.microsoft.com/office/drawing/2014/main" id="{67061966-FAF3-F54F-95A0-AD61FD51424D}"/>
               </a:ext>
             </a:extLst>
           </p:cNvPr>
-          <p:cNvPicPr>
-            <a:picLocks noGrp="1" noChangeAspect="1"/>
-          </p:cNvPicPr>
+          <p:cNvSpPr>
+            <a:spLocks noGrp="1"/>
+          </p:cNvSpPr>
           <p:nvPr>
             <p:ph idx="1"/>
           </p:nvPr>
-        </p:nvPicPr>
-        <p:blipFill>
-          <a:blip r:embed="rId3"/>
-          <a:stretch>
-            <a:fillRect/>
-          </a:stretch>
-        </p:blipFill>
+        </p:nvSpPr>
         <p:spPr>
           <a:xfrm>
-            <a:off x="263352" y="1524630"/>
-            <a:ext cx="4960411" cy="4824412"/>
+            <a:off x="361543" y="1556792"/>
+            <a:ext cx="10998200" cy="4824518"/>
           </a:xfrm>
         </p:spPr>
-      </p:pic>
+        <p:txBody>
+          <a:bodyPr>
+            <a:normAutofit/>
+          </a:bodyPr>
+          <a:lstStyle/>
+          <a:p>
+            <a:r>
+              <a:rPr lang="en-US" dirty="0"/>
+              <a:t>In </a:t>
+            </a:r>
+            <a:r>
+              <a:rPr lang="en-US" i="1" dirty="0" err="1"/>
+              <a:t>layout.csl</a:t>
+            </a:r>
+            <a:r>
+              <a:rPr lang="en-US" dirty="0"/>
+              <a:t>:</a:t>
+            </a:r>
+          </a:p>
+          <a:p>
+            <a:r>
+              <a:rPr lang="en-US" dirty="0"/>
+              <a:t>TO DO 1: set tile code for Left and Right PEs</a:t>
+            </a:r>
+          </a:p>
+          <a:p>
+            <a:r>
+              <a:rPr lang="en-US" dirty="0"/>
+              <a:t>TO DO 2: set color config for Left and Right PEs</a:t>
+            </a:r>
+          </a:p>
+          <a:p>
+            <a:endParaRPr lang="en-US" dirty="0"/>
+          </a:p>
+          <a:p>
+            <a:r>
+              <a:rPr lang="en-US" dirty="0"/>
+              <a:t>In </a:t>
+            </a:r>
+            <a:r>
+              <a:rPr lang="en-US" i="1" dirty="0" err="1"/>
+              <a:t>pe_program.csl</a:t>
+            </a:r>
+            <a:r>
+              <a:rPr lang="en-US" dirty="0"/>
+              <a:t>:</a:t>
+            </a:r>
+          </a:p>
+          <a:p>
+            <a:r>
+              <a:rPr lang="en-US" dirty="0"/>
+              <a:t>TO DO 1: Define </a:t>
+            </a:r>
+            <a:r>
+              <a:rPr lang="en-US" dirty="0" err="1"/>
+              <a:t>send_right</a:t>
+            </a:r>
+            <a:r>
+              <a:rPr lang="en-US" dirty="0"/>
+              <a:t>()</a:t>
+            </a:r>
+          </a:p>
+          <a:p>
+            <a:r>
+              <a:rPr lang="en-US" dirty="0"/>
+              <a:t>TO DO 2: Define </a:t>
+            </a:r>
+            <a:r>
+              <a:rPr lang="en-US" dirty="0" err="1"/>
+              <a:t>recv_left</a:t>
+            </a:r>
+            <a:r>
+              <a:rPr lang="en-US" dirty="0"/>
+              <a:t>()</a:t>
+            </a:r>
+          </a:p>
+          <a:p>
+            <a:r>
+              <a:rPr lang="en-US" dirty="0"/>
+              <a:t>TO DO 3: Define compute() function</a:t>
+            </a:r>
+          </a:p>
+          <a:p>
+            <a:endParaRPr lang="en-US" dirty="0"/>
+          </a:p>
+        </p:txBody>
+      </p:sp>
       <p:sp>
         <p:nvSpPr>
           <p:cNvPr id="2" name="Title 1">
@@ -5524,46 +5266,310 @@
           <a:lstStyle/>
           <a:p>
             <a:r>
-              <a:rPr lang="en-US" dirty="0"/>
-              <a:t>Steps</a:t>
-            </a:r>
-          </a:p>
-        </p:txBody>
-      </p:sp>
-      <p:pic>
-        <p:nvPicPr>
-          <p:cNvPr id="7" name="Picture 6" descr="A screenshot of a computer program&#10;&#10;Description automatically generated">
+              <a:rPr lang="en-US"/>
+              <a:t>What you need to do here</a:t>
+            </a:r>
+            <a:endParaRPr lang="en-US" dirty="0"/>
+          </a:p>
+        </p:txBody>
+      </p:sp>
+      <p:cxnSp>
+        <p:nvCxnSpPr>
+          <p:cNvPr id="4" name="Straight Connector 3">
             <a:extLst>
               <a:ext uri="{FF2B5EF4-FFF2-40B4-BE49-F238E27FC236}">
-                <a16:creationId xmlns:a16="http://schemas.microsoft.com/office/drawing/2014/main" id="{C906E834-E5B5-B958-6D39-6681BC93A311}"/>
+                <a16:creationId xmlns:a16="http://schemas.microsoft.com/office/drawing/2014/main" id="{1914B064-73B6-1C16-1EC8-083CE238087A}"/>
               </a:ext>
             </a:extLst>
           </p:cNvPr>
-          <p:cNvPicPr>
-            <a:picLocks noChangeAspect="1"/>
-          </p:cNvPicPr>
+          <p:cNvCxnSpPr/>
           <p:nvPr/>
-        </p:nvPicPr>
-        <p:blipFill>
-          <a:blip r:embed="rId4"/>
-          <a:stretch>
-            <a:fillRect/>
-          </a:stretch>
-        </p:blipFill>
+        </p:nvCxnSpPr>
         <p:spPr>
           <a:xfrm>
-            <a:off x="6493501" y="116632"/>
-            <a:ext cx="5449661" cy="6858000"/>
+            <a:off x="7896200" y="2348880"/>
+            <a:ext cx="0" cy="2952328"/>
+          </a:xfrm>
+          <a:prstGeom prst="line">
+            <a:avLst/>
+          </a:prstGeom>
+          <a:ln w="22225">
+            <a:solidFill>
+              <a:srgbClr val="0070C0"/>
+            </a:solidFill>
+          </a:ln>
+        </p:spPr>
+        <p:style>
+          <a:lnRef idx="1">
+            <a:schemeClr val="accent1"/>
+          </a:lnRef>
+          <a:fillRef idx="0">
+            <a:schemeClr val="accent1"/>
+          </a:fillRef>
+          <a:effectRef idx="0">
+            <a:schemeClr val="accent1"/>
+          </a:effectRef>
+          <a:fontRef idx="minor">
+            <a:schemeClr val="tx1"/>
+          </a:fontRef>
+        </p:style>
+      </p:cxnSp>
+      <p:sp>
+        <p:nvSpPr>
+          <p:cNvPr id="5" name="TextBox 4">
+            <a:extLst>
+              <a:ext uri="{FF2B5EF4-FFF2-40B4-BE49-F238E27FC236}">
+                <a16:creationId xmlns:a16="http://schemas.microsoft.com/office/drawing/2014/main" id="{684AA693-1247-1D93-5E55-D46E65848FED}"/>
+              </a:ext>
+            </a:extLst>
+          </p:cNvPr>
+          <p:cNvSpPr txBox="1"/>
+          <p:nvPr/>
+        </p:nvSpPr>
+        <p:spPr>
+          <a:xfrm>
+            <a:off x="8261636" y="1916832"/>
+            <a:ext cx="3600397" cy="523220"/>
+          </a:xfrm>
+          <a:prstGeom prst="rect">
+            <a:avLst/>
+          </a:prstGeom>
+          <a:noFill/>
+        </p:spPr>
+        <p:txBody>
+          <a:bodyPr wrap="square" rtlCol="0">
+            <a:spAutoFit/>
+          </a:bodyPr>
+          <a:lstStyle/>
+          <a:p>
+            <a:pPr algn="ctr"/>
+            <a:r>
+              <a:rPr lang="en-GB" sz="2800" dirty="0">
+                <a:solidFill>
+                  <a:srgbClr val="00B050"/>
+                </a:solidFill>
+              </a:rPr>
+              <a:t>Hints</a:t>
+            </a:r>
+          </a:p>
+        </p:txBody>
+      </p:sp>
+      <p:sp>
+        <p:nvSpPr>
+          <p:cNvPr id="6" name="Content Placeholder 2">
+            <a:extLst>
+              <a:ext uri="{FF2B5EF4-FFF2-40B4-BE49-F238E27FC236}">
+                <a16:creationId xmlns:a16="http://schemas.microsoft.com/office/drawing/2014/main" id="{7D7FBB58-BF3E-1181-FB6E-9667F2FEBA38}"/>
+              </a:ext>
+            </a:extLst>
+          </p:cNvPr>
+          <p:cNvSpPr txBox="1">
+            <a:spLocks/>
+          </p:cNvSpPr>
+          <p:nvPr/>
+        </p:nvSpPr>
+        <p:spPr>
+          <a:xfrm>
+            <a:off x="8088160" y="2564904"/>
+            <a:ext cx="3947348" cy="2736304"/>
           </a:xfrm>
           <a:prstGeom prst="rect">
             <a:avLst/>
           </a:prstGeom>
         </p:spPr>
-      </p:pic>
+        <p:txBody>
+          <a:bodyPr vert="horz" lIns="91440" tIns="45720" rIns="91440" bIns="45720" rtlCol="0">
+            <a:normAutofit fontScale="92500" lnSpcReduction="10000"/>
+          </a:bodyPr>
+          <a:lstStyle>
+            <a:lvl1pPr marL="182880" indent="-182880" algn="l" defTabSz="914400" rtl="0" eaLnBrk="1" latinLnBrk="0" hangingPunct="1">
+              <a:spcBef>
+                <a:spcPct val="20000"/>
+              </a:spcBef>
+              <a:buClr>
+                <a:schemeClr val="accent1"/>
+              </a:buClr>
+              <a:buSzPct val="85000"/>
+              <a:buFont typeface="Arial" pitchFamily="34" charset="0"/>
+              <a:buChar char="•"/>
+              <a:defRPr sz="2400" kern="1200">
+                <a:solidFill>
+                  <a:schemeClr val="tx1"/>
+                </a:solidFill>
+                <a:latin typeface="+mn-lt"/>
+                <a:ea typeface="+mn-ea"/>
+                <a:cs typeface="+mn-cs"/>
+              </a:defRPr>
+            </a:lvl1pPr>
+            <a:lvl2pPr marL="457200" indent="-182880" algn="l" defTabSz="914400" rtl="0" eaLnBrk="1" latinLnBrk="0" hangingPunct="1">
+              <a:spcBef>
+                <a:spcPct val="20000"/>
+              </a:spcBef>
+              <a:buClr>
+                <a:schemeClr val="accent1"/>
+              </a:buClr>
+              <a:buSzPct val="85000"/>
+              <a:buFont typeface="Arial" pitchFamily="34" charset="0"/>
+              <a:buChar char="•"/>
+              <a:defRPr sz="2000" kern="1200">
+                <a:solidFill>
+                  <a:schemeClr val="tx1"/>
+                </a:solidFill>
+                <a:latin typeface="+mn-lt"/>
+                <a:ea typeface="+mn-ea"/>
+                <a:cs typeface="+mn-cs"/>
+              </a:defRPr>
+            </a:lvl2pPr>
+            <a:lvl3pPr marL="731520" indent="-182880" algn="l" defTabSz="914400" rtl="0" eaLnBrk="1" latinLnBrk="0" hangingPunct="1">
+              <a:spcBef>
+                <a:spcPct val="20000"/>
+              </a:spcBef>
+              <a:buClr>
+                <a:schemeClr val="accent1"/>
+              </a:buClr>
+              <a:buSzPct val="90000"/>
+              <a:buFont typeface="Arial" pitchFamily="34" charset="0"/>
+              <a:buChar char="•"/>
+              <a:defRPr sz="1800" kern="1200">
+                <a:solidFill>
+                  <a:schemeClr val="tx1"/>
+                </a:solidFill>
+                <a:latin typeface="+mn-lt"/>
+                <a:ea typeface="+mn-ea"/>
+                <a:cs typeface="+mn-cs"/>
+              </a:defRPr>
+            </a:lvl3pPr>
+            <a:lvl4pPr marL="1005840" indent="-182880" algn="l" defTabSz="914400" rtl="0" eaLnBrk="1" latinLnBrk="0" hangingPunct="1">
+              <a:spcBef>
+                <a:spcPct val="20000"/>
+              </a:spcBef>
+              <a:buClr>
+                <a:schemeClr val="accent1"/>
+              </a:buClr>
+              <a:buFont typeface="Arial" pitchFamily="34" charset="0"/>
+              <a:buChar char="•"/>
+              <a:defRPr sz="1600" kern="1200">
+                <a:solidFill>
+                  <a:schemeClr val="tx1"/>
+                </a:solidFill>
+                <a:latin typeface="+mn-lt"/>
+                <a:ea typeface="+mn-ea"/>
+                <a:cs typeface="+mn-cs"/>
+              </a:defRPr>
+            </a:lvl4pPr>
+            <a:lvl5pPr marL="1188720" indent="-137160" algn="l" defTabSz="914400" rtl="0" eaLnBrk="1" latinLnBrk="0" hangingPunct="1">
+              <a:spcBef>
+                <a:spcPct val="20000"/>
+              </a:spcBef>
+              <a:buClr>
+                <a:schemeClr val="accent1"/>
+              </a:buClr>
+              <a:buSzPct val="100000"/>
+              <a:buFont typeface="Arial" pitchFamily="34" charset="0"/>
+              <a:buChar char="•"/>
+              <a:defRPr sz="1400" kern="1200" baseline="0">
+                <a:solidFill>
+                  <a:schemeClr val="tx1"/>
+                </a:solidFill>
+                <a:latin typeface="+mn-lt"/>
+                <a:ea typeface="+mn-ea"/>
+                <a:cs typeface="+mn-cs"/>
+              </a:defRPr>
+            </a:lvl5pPr>
+            <a:lvl6pPr marL="1371600" indent="-182880" algn="l" defTabSz="914400" rtl="0" eaLnBrk="1" latinLnBrk="0" hangingPunct="1">
+              <a:spcBef>
+                <a:spcPct val="20000"/>
+              </a:spcBef>
+              <a:buClr>
+                <a:schemeClr val="accent1"/>
+              </a:buClr>
+              <a:buFont typeface="Arial" pitchFamily="34" charset="0"/>
+              <a:buChar char="•"/>
+              <a:defRPr sz="1300" kern="1200">
+                <a:solidFill>
+                  <a:schemeClr val="tx1"/>
+                </a:solidFill>
+                <a:latin typeface="+mn-lt"/>
+                <a:ea typeface="+mn-ea"/>
+                <a:cs typeface="+mn-cs"/>
+              </a:defRPr>
+            </a:lvl6pPr>
+            <a:lvl7pPr marL="1554480" indent="-182880" algn="l" defTabSz="914400" rtl="0" eaLnBrk="1" latinLnBrk="0" hangingPunct="1">
+              <a:spcBef>
+                <a:spcPct val="20000"/>
+              </a:spcBef>
+              <a:buClr>
+                <a:schemeClr val="accent1"/>
+              </a:buClr>
+              <a:buFont typeface="Arial" pitchFamily="34" charset="0"/>
+              <a:buChar char="•"/>
+              <a:defRPr sz="1300" kern="1200">
+                <a:solidFill>
+                  <a:schemeClr val="tx1"/>
+                </a:solidFill>
+                <a:latin typeface="+mn-lt"/>
+                <a:ea typeface="+mn-ea"/>
+                <a:cs typeface="+mn-cs"/>
+              </a:defRPr>
+            </a:lvl7pPr>
+            <a:lvl8pPr marL="1737360" indent="-182880" algn="l" defTabSz="914400" rtl="0" eaLnBrk="1" latinLnBrk="0" hangingPunct="1">
+              <a:spcBef>
+                <a:spcPct val="20000"/>
+              </a:spcBef>
+              <a:buClr>
+                <a:schemeClr val="accent1"/>
+              </a:buClr>
+              <a:buFont typeface="Arial" pitchFamily="34" charset="0"/>
+              <a:buChar char="•"/>
+              <a:defRPr sz="1300" kern="1200">
+                <a:solidFill>
+                  <a:schemeClr val="tx1"/>
+                </a:solidFill>
+                <a:latin typeface="+mn-lt"/>
+                <a:ea typeface="+mn-ea"/>
+                <a:cs typeface="+mn-cs"/>
+              </a:defRPr>
+            </a:lvl8pPr>
+            <a:lvl9pPr marL="1920240" indent="-182880" algn="l" defTabSz="914400" rtl="0" eaLnBrk="1" latinLnBrk="0" hangingPunct="1">
+              <a:spcBef>
+                <a:spcPct val="20000"/>
+              </a:spcBef>
+              <a:buClr>
+                <a:schemeClr val="accent1"/>
+              </a:buClr>
+              <a:buFont typeface="Arial" pitchFamily="34" charset="0"/>
+              <a:buChar char="•"/>
+              <a:defRPr sz="1300" kern="1200">
+                <a:solidFill>
+                  <a:schemeClr val="tx1"/>
+                </a:solidFill>
+                <a:latin typeface="+mn-lt"/>
+                <a:ea typeface="+mn-ea"/>
+                <a:cs typeface="+mn-cs"/>
+              </a:defRPr>
+            </a:lvl9pPr>
+          </a:lstStyle>
+          <a:p>
+            <a:r>
+              <a:rPr lang="en-US" dirty="0"/>
+              <a:t>Example of setting tile code for multiple PE from walk-through 5</a:t>
+            </a:r>
+          </a:p>
+          <a:p>
+            <a:endParaRPr lang="en-US" dirty="0"/>
+          </a:p>
+          <a:p>
+            <a:r>
+              <a:rPr lang="en-US" dirty="0"/>
+              <a:t>Example of setting color configuration and communication functions from walk-through 6</a:t>
+            </a:r>
+          </a:p>
+        </p:txBody>
+      </p:sp>
     </p:spTree>
     <p:extLst>
       <p:ext uri="{BB962C8B-B14F-4D97-AF65-F5344CB8AC3E}">
-        <p14:creationId xmlns:p14="http://schemas.microsoft.com/office/powerpoint/2010/main" val="1207995268"/>
+        <p14:creationId xmlns:p14="http://schemas.microsoft.com/office/powerpoint/2010/main" val="2219636198"/>
       </p:ext>
     </p:extLst>
   </p:cSld>
@@ -5609,7 +5615,7 @@
         <p:spPr>
           <a:xfrm>
             <a:off x="361543" y="1556792"/>
-            <a:ext cx="10998200" cy="4824518"/>
+            <a:ext cx="10998200" cy="1224136"/>
           </a:xfrm>
         </p:spPr>
         <p:txBody>
@@ -5620,79 +5626,32 @@
           <a:p>
             <a:r>
               <a:rPr lang="en-US" dirty="0"/>
-              <a:t>In </a:t>
+              <a:t>Placing the program on each individual PE by tiling:</a:t>
+            </a:r>
+          </a:p>
+          <a:p>
+            <a:pPr lvl="1"/>
+            <a:r>
+              <a:rPr lang="en-US" dirty="0"/>
+              <a:t>As with the walk-through, you can see how we explicitly set the </a:t>
+            </a:r>
+            <a:r>
+              <a:rPr lang="en-US" i="1" dirty="0" err="1"/>
+              <a:t>pe_id</a:t>
+            </a:r>
+            <a:r>
+              <a:rPr lang="en-US" i="1" dirty="0"/>
+              <a:t> </a:t>
+            </a:r>
+            <a:r>
+              <a:rPr lang="en-US" dirty="0"/>
+              <a:t>parameter depending upon whether it’s the left or right </a:t>
             </a:r>
             <a:r>
               <a:rPr lang="en-US" dirty="0" err="1"/>
-              <a:t>layout.csl</a:t>
-            </a:r>
-            <a:r>
-              <a:rPr lang="en-US" dirty="0"/>
-              <a:t>:</a:t>
-            </a:r>
-          </a:p>
-          <a:p>
-            <a:r>
-              <a:rPr lang="en-US" dirty="0"/>
-              <a:t>TO DO 1: set tile code for Left and Right PEs</a:t>
-            </a:r>
-          </a:p>
-          <a:p>
-            <a:r>
-              <a:rPr lang="en-US" dirty="0"/>
-              <a:t>TO DO 2: set color config for Left and Right PEs</a:t>
-            </a:r>
-          </a:p>
-          <a:p>
+              <a:t>neighbour</a:t>
+            </a:r>
             <a:endParaRPr lang="en-US" dirty="0"/>
-          </a:p>
-          <a:p>
-            <a:r>
-              <a:rPr lang="en-US" dirty="0"/>
-              <a:t>In </a:t>
-            </a:r>
-            <a:r>
-              <a:rPr lang="en-US" dirty="0" err="1"/>
-              <a:t>pe_program.csl</a:t>
-            </a:r>
-            <a:r>
-              <a:rPr lang="en-US" dirty="0"/>
-              <a:t>:</a:t>
-            </a:r>
-          </a:p>
-          <a:p>
-            <a:r>
-              <a:rPr lang="en-US" dirty="0"/>
-              <a:t>TO DO 1: Define </a:t>
-            </a:r>
-            <a:r>
-              <a:rPr lang="en-US" dirty="0" err="1"/>
-              <a:t>send_right</a:t>
-            </a:r>
-            <a:r>
-              <a:rPr lang="en-US" dirty="0"/>
-              <a:t>()</a:t>
-            </a:r>
-          </a:p>
-          <a:p>
-            <a:r>
-              <a:rPr lang="en-US" dirty="0"/>
-              <a:t>TO DO 2: Define </a:t>
-            </a:r>
-            <a:r>
-              <a:rPr lang="en-US" dirty="0" err="1"/>
-              <a:t>recv_left</a:t>
-            </a:r>
-            <a:r>
-              <a:rPr lang="en-US" dirty="0"/>
-              <a:t>()</a:t>
-            </a:r>
-          </a:p>
-          <a:p>
-            <a:r>
-              <a:rPr lang="en-US" dirty="0"/>
-              <a:t>TO DO 3: Define compute() function</a:t>
-            </a:r>
           </a:p>
           <a:p>
             <a:endParaRPr lang="en-US" dirty="0"/>
@@ -5727,221 +5686,7 @@
           <a:p>
             <a:r>
               <a:rPr lang="en-US" dirty="0"/>
-              <a:t>To do:</a:t>
-            </a:r>
-          </a:p>
-        </p:txBody>
-      </p:sp>
-    </p:spTree>
-    <p:extLst>
-      <p:ext uri="{BB962C8B-B14F-4D97-AF65-F5344CB8AC3E}">
-        <p14:creationId xmlns:p14="http://schemas.microsoft.com/office/powerpoint/2010/main" val="2219636198"/>
-      </p:ext>
-    </p:extLst>
-  </p:cSld>
-  <p:clrMapOvr>
-    <a:masterClrMapping/>
-  </p:clrMapOvr>
-</p:sld>
-</file>
-
-<file path=ppt/slides/slide5.xml><?xml version="1.0" encoding="utf-8"?>
-<p:sld xmlns:a="http://schemas.openxmlformats.org/drawingml/2006/main" xmlns:r="http://schemas.openxmlformats.org/officeDocument/2006/relationships" xmlns:p="http://schemas.openxmlformats.org/presentationml/2006/main">
-  <p:cSld>
-    <p:spTree>
-      <p:nvGrpSpPr>
-        <p:cNvPr id="1" name=""/>
-        <p:cNvGrpSpPr/>
-        <p:nvPr/>
-      </p:nvGrpSpPr>
-      <p:grpSpPr>
-        <a:xfrm>
-          <a:off x="0" y="0"/>
-          <a:ext cx="0" cy="0"/>
-          <a:chOff x="0" y="0"/>
-          <a:chExt cx="0" cy="0"/>
-        </a:xfrm>
-      </p:grpSpPr>
-      <p:sp>
-        <p:nvSpPr>
-          <p:cNvPr id="3" name="Content Placeholder 2">
-            <a:extLst>
-              <a:ext uri="{FF2B5EF4-FFF2-40B4-BE49-F238E27FC236}">
-                <a16:creationId xmlns:a16="http://schemas.microsoft.com/office/drawing/2014/main" id="{67061966-FAF3-F54F-95A0-AD61FD51424D}"/>
-              </a:ext>
-            </a:extLst>
-          </p:cNvPr>
-          <p:cNvSpPr>
-            <a:spLocks noGrp="1"/>
-          </p:cNvSpPr>
-          <p:nvPr>
-            <p:ph idx="1"/>
-          </p:nvPr>
-        </p:nvSpPr>
-        <p:spPr>
-          <a:xfrm>
-            <a:off x="361543" y="1556792"/>
-            <a:ext cx="10998200" cy="4824518"/>
-          </a:xfrm>
-        </p:spPr>
-        <p:txBody>
-          <a:bodyPr>
-            <a:normAutofit/>
-          </a:bodyPr>
-          <a:lstStyle/>
-          <a:p>
-            <a:r>
-              <a:rPr lang="en-US" dirty="0"/>
-              <a:t>Example of setting tile code for multiple PE from walk-through 5</a:t>
-            </a:r>
-          </a:p>
-          <a:p>
-            <a:r>
-              <a:rPr lang="en-US" dirty="0"/>
-              <a:t>Example of setting color config &amp; communication functions from walk-through 6</a:t>
-            </a:r>
-          </a:p>
-          <a:p>
-            <a:endParaRPr lang="en-US" dirty="0"/>
-          </a:p>
-        </p:txBody>
-      </p:sp>
-      <p:sp>
-        <p:nvSpPr>
-          <p:cNvPr id="2" name="Title 1">
-            <a:extLst>
-              <a:ext uri="{FF2B5EF4-FFF2-40B4-BE49-F238E27FC236}">
-                <a16:creationId xmlns:a16="http://schemas.microsoft.com/office/drawing/2014/main" id="{9C32B9BB-9B28-D34A-8B6B-CA0763BA5B81}"/>
-              </a:ext>
-            </a:extLst>
-          </p:cNvPr>
-          <p:cNvSpPr>
-            <a:spLocks noGrp="1"/>
-          </p:cNvSpPr>
-          <p:nvPr>
-            <p:ph type="title"/>
-          </p:nvPr>
-        </p:nvSpPr>
-        <p:spPr>
-          <a:xfrm>
-            <a:off x="361543" y="508958"/>
-            <a:ext cx="10998200" cy="795852"/>
-          </a:xfrm>
-        </p:spPr>
-        <p:txBody>
-          <a:bodyPr/>
-          <a:lstStyle/>
-          <a:p>
-            <a:r>
-              <a:rPr lang="en-US" dirty="0"/>
-              <a:t>Hints:</a:t>
-            </a:r>
-          </a:p>
-        </p:txBody>
-      </p:sp>
-    </p:spTree>
-    <p:extLst>
-      <p:ext uri="{BB962C8B-B14F-4D97-AF65-F5344CB8AC3E}">
-        <p14:creationId xmlns:p14="http://schemas.microsoft.com/office/powerpoint/2010/main" val="568440342"/>
-      </p:ext>
-    </p:extLst>
-  </p:cSld>
-  <p:clrMapOvr>
-    <a:masterClrMapping/>
-  </p:clrMapOvr>
-</p:sld>
-</file>
-
-<file path=ppt/slides/slide6.xml><?xml version="1.0" encoding="utf-8"?>
-<p:sld xmlns:a="http://schemas.openxmlformats.org/drawingml/2006/main" xmlns:r="http://schemas.openxmlformats.org/officeDocument/2006/relationships" xmlns:p="http://schemas.openxmlformats.org/presentationml/2006/main">
-  <p:cSld>
-    <p:spTree>
-      <p:nvGrpSpPr>
-        <p:cNvPr id="1" name=""/>
-        <p:cNvGrpSpPr/>
-        <p:nvPr/>
-      </p:nvGrpSpPr>
-      <p:grpSpPr>
-        <a:xfrm>
-          <a:off x="0" y="0"/>
-          <a:ext cx="0" cy="0"/>
-          <a:chOff x="0" y="0"/>
-          <a:chExt cx="0" cy="0"/>
-        </a:xfrm>
-      </p:grpSpPr>
-      <p:sp>
-        <p:nvSpPr>
-          <p:cNvPr id="3" name="Content Placeholder 2">
-            <a:extLst>
-              <a:ext uri="{FF2B5EF4-FFF2-40B4-BE49-F238E27FC236}">
-                <a16:creationId xmlns:a16="http://schemas.microsoft.com/office/drawing/2014/main" id="{67061966-FAF3-F54F-95A0-AD61FD51424D}"/>
-              </a:ext>
-            </a:extLst>
-          </p:cNvPr>
-          <p:cNvSpPr>
-            <a:spLocks noGrp="1"/>
-          </p:cNvSpPr>
-          <p:nvPr>
-            <p:ph idx="1"/>
-          </p:nvPr>
-        </p:nvSpPr>
-        <p:spPr>
-          <a:xfrm>
-            <a:off x="361543" y="1556792"/>
-            <a:ext cx="10998200" cy="4824518"/>
-          </a:xfrm>
-        </p:spPr>
-        <p:txBody>
-          <a:bodyPr>
-            <a:normAutofit/>
-          </a:bodyPr>
-          <a:lstStyle/>
-          <a:p>
-            <a:r>
-              <a:rPr lang="en-US" dirty="0"/>
-              <a:t>Key points: </a:t>
-            </a:r>
-          </a:p>
-          <a:p>
-            <a:r>
-              <a:rPr lang="en-US" dirty="0"/>
-              <a:t>Setting tile code:</a:t>
-            </a:r>
-          </a:p>
-          <a:p>
-            <a:endParaRPr lang="en-US" dirty="0"/>
-          </a:p>
-        </p:txBody>
-      </p:sp>
-      <p:sp>
-        <p:nvSpPr>
-          <p:cNvPr id="2" name="Title 1">
-            <a:extLst>
-              <a:ext uri="{FF2B5EF4-FFF2-40B4-BE49-F238E27FC236}">
-                <a16:creationId xmlns:a16="http://schemas.microsoft.com/office/drawing/2014/main" id="{9C32B9BB-9B28-D34A-8B6B-CA0763BA5B81}"/>
-              </a:ext>
-            </a:extLst>
-          </p:cNvPr>
-          <p:cNvSpPr>
-            <a:spLocks noGrp="1"/>
-          </p:cNvSpPr>
-          <p:nvPr>
-            <p:ph type="title"/>
-          </p:nvPr>
-        </p:nvSpPr>
-        <p:spPr>
-          <a:xfrm>
-            <a:off x="361543" y="508958"/>
-            <a:ext cx="10998200" cy="795852"/>
-          </a:xfrm>
-        </p:spPr>
-        <p:txBody>
-          <a:bodyPr/>
-          <a:lstStyle/>
-          <a:p>
-            <a:r>
-              <a:rPr lang="en-US" dirty="0"/>
-              <a:t>Wash-up for ex2:</a:t>
+              <a:t>Wash-up for hands on exercise two:</a:t>
             </a:r>
           </a:p>
         </p:txBody>
@@ -6019,7 +5764,7 @@
 </p:sld>
 </file>
 
-<file path=ppt/slides/slide7.xml><?xml version="1.0" encoding="utf-8"?>
+<file path=ppt/slides/slide5.xml><?xml version="1.0" encoding="utf-8"?>
 <p:sld xmlns:a="http://schemas.openxmlformats.org/drawingml/2006/main" xmlns:r="http://schemas.openxmlformats.org/officeDocument/2006/relationships" xmlns:p="http://schemas.openxmlformats.org/presentationml/2006/main">
   <p:cSld>
     <p:spTree>
@@ -6066,8 +5811,42 @@
           <a:p>
             <a:r>
               <a:rPr lang="en-US" dirty="0"/>
-              <a:t>Setting color config:</a:t>
-            </a:r>
+              <a:t>Setting the color configuration:</a:t>
+            </a:r>
+          </a:p>
+          <a:p>
+            <a:pPr lvl="1"/>
+            <a:r>
+              <a:rPr lang="en-US" dirty="0"/>
+              <a:t>Similarly to the walk-through example, the left PE’s router will receive the wavelet from the ramp and then send it east. </a:t>
+            </a:r>
+          </a:p>
+          <a:p>
+            <a:pPr lvl="1"/>
+            <a:r>
+              <a:rPr lang="en-US" dirty="0"/>
+              <a:t>The right PE will receive a wavelet from the west and then send it down the ramp to it’s processor</a:t>
+            </a:r>
+          </a:p>
+          <a:p>
+            <a:pPr lvl="1"/>
+            <a:r>
+              <a:rPr lang="en-US" dirty="0"/>
+              <a:t>The </a:t>
+            </a:r>
+            <a:r>
+              <a:rPr lang="en-US" i="1" dirty="0" err="1"/>
+              <a:t>send_color</a:t>
+            </a:r>
+            <a:r>
+              <a:rPr lang="en-US" i="1" dirty="0"/>
+              <a:t> </a:t>
+            </a:r>
+            <a:r>
+              <a:rPr lang="en-US" dirty="0"/>
+              <a:t>variable defines which, of 24, virtual channels the wavelet will travel on</a:t>
+            </a:r>
+            <a:endParaRPr lang="en-US" i="1" dirty="0"/>
           </a:p>
           <a:p>
             <a:endParaRPr lang="en-US" dirty="0"/>
@@ -6102,7 +5881,7 @@
           <a:p>
             <a:r>
               <a:rPr lang="en-US" dirty="0"/>
-              <a:t>Wash-up for ex2:</a:t>
+              <a:t>Wash-up for hands on exercise two:</a:t>
             </a:r>
           </a:p>
         </p:txBody>
@@ -6129,7 +5908,7 @@
         </p:blipFill>
         <p:spPr>
           <a:xfrm>
-            <a:off x="1631504" y="2564904"/>
+            <a:off x="1559496" y="4380938"/>
             <a:ext cx="7772400" cy="569591"/>
           </a:xfrm>
           <a:prstGeom prst="rect">
@@ -6159,7 +5938,7 @@
         </p:blipFill>
         <p:spPr>
           <a:xfrm>
-            <a:off x="1631504" y="4133246"/>
+            <a:off x="1559496" y="5949280"/>
             <a:ext cx="7772400" cy="569591"/>
           </a:xfrm>
           <a:prstGeom prst="rect">
@@ -6180,7 +5959,7 @@
 </p:sld>
 </file>
 
-<file path=ppt/slides/slide8.xml><?xml version="1.0" encoding="utf-8"?>
+<file path=ppt/slides/slide6.xml><?xml version="1.0" encoding="utf-8"?>
 <p:sld xmlns:a="http://schemas.openxmlformats.org/drawingml/2006/main" xmlns:r="http://schemas.openxmlformats.org/officeDocument/2006/relationships" xmlns:p="http://schemas.openxmlformats.org/presentationml/2006/main">
   <p:cSld>
     <p:spTree>
@@ -6215,8 +5994,8 @@
         </p:nvSpPr>
         <p:spPr>
           <a:xfrm>
-            <a:off x="361543" y="1556792"/>
-            <a:ext cx="10998200" cy="4824518"/>
+            <a:off x="361543" y="1844824"/>
+            <a:ext cx="3790241" cy="4536486"/>
           </a:xfrm>
         </p:spPr>
         <p:txBody>
@@ -6226,38 +6005,49 @@
           <a:lstStyle/>
           <a:p>
             <a:r>
-              <a:rPr lang="en-US" dirty="0" err="1"/>
+              <a:rPr lang="en-US" dirty="0"/>
+              <a:t>The </a:t>
+            </a:r>
+            <a:r>
+              <a:rPr lang="en-US" i="1" dirty="0" err="1"/>
               <a:t>send_right</a:t>
             </a:r>
             <a:r>
+              <a:rPr lang="en-US" i="1" dirty="0"/>
+              <a:t> </a:t>
+            </a:r>
+            <a:r>
               <a:rPr lang="en-US" dirty="0"/>
-              <a:t>() </a:t>
-            </a:r>
-            <a:br>
+              <a:t>and </a:t>
+            </a:r>
+            <a:r>
+              <a:rPr lang="en-US" i="1" dirty="0" err="1"/>
+              <a:t>recv_left</a:t>
+            </a:r>
+            <a:r>
               <a:rPr lang="en-US" dirty="0"/>
-            </a:br>
+              <a:t> functions will send and receive data respectively</a:t>
+            </a:r>
+          </a:p>
+          <a:p>
             <a:endParaRPr lang="en-US" dirty="0"/>
           </a:p>
           <a:p>
-            <a:endParaRPr lang="en-US" dirty="0"/>
-          </a:p>
-          <a:p>
-            <a:endParaRPr lang="en-US" dirty="0"/>
-          </a:p>
-          <a:p>
-            <a:endParaRPr lang="en-US" dirty="0"/>
-          </a:p>
-          <a:p>
-            <a:endParaRPr lang="en-US" dirty="0"/>
-          </a:p>
-          <a:p>
-            <a:r>
-              <a:rPr lang="en-US" dirty="0" err="1"/>
+            <a:r>
+              <a:rPr lang="en-US" dirty="0"/>
+              <a:t>With the </a:t>
+            </a:r>
+            <a:r>
+              <a:rPr lang="en-US" i="1" dirty="0" err="1"/>
               <a:t>recv_left</a:t>
             </a:r>
             <a:r>
+              <a:rPr lang="en-US" i="1" dirty="0"/>
+              <a:t> </a:t>
+            </a:r>
+            <a:r>
               <a:rPr lang="en-US" dirty="0"/>
-              <a:t>()</a:t>
+              <a:t>function also undertaking the required operation on the data when it arrives</a:t>
             </a:r>
           </a:p>
           <a:p>
@@ -6293,7 +6083,7 @@
           <a:p>
             <a:r>
               <a:rPr lang="en-US" dirty="0"/>
-              <a:t>Wash-up for ex2:</a:t>
+              <a:t>Wash-up for hands on exercise two:</a:t>
             </a:r>
           </a:p>
         </p:txBody>
@@ -6320,7 +6110,7 @@
         </p:blipFill>
         <p:spPr>
           <a:xfrm>
-            <a:off x="4419600" y="1148426"/>
+            <a:off x="4434475" y="1436495"/>
             <a:ext cx="7772400" cy="2280574"/>
           </a:xfrm>
           <a:prstGeom prst="rect">
@@ -6350,7 +6140,7 @@
         </p:blipFill>
         <p:spPr>
           <a:xfrm>
-            <a:off x="4419600" y="3969051"/>
+            <a:off x="4419600" y="4370384"/>
             <a:ext cx="7772400" cy="2161649"/>
           </a:xfrm>
           <a:prstGeom prst="rect">
@@ -6371,7 +6161,7 @@
 </p:sld>
 </file>
 
-<file path=ppt/slides/slide9.xml><?xml version="1.0" encoding="utf-8"?>
+<file path=ppt/slides/slide7.xml><?xml version="1.0" encoding="utf-8"?>
 <p:sld xmlns:a="http://schemas.openxmlformats.org/drawingml/2006/main" xmlns:r="http://schemas.openxmlformats.org/officeDocument/2006/relationships" xmlns:p="http://schemas.openxmlformats.org/presentationml/2006/main">
   <p:cSld>
     <p:spTree>
@@ -6421,7 +6211,23 @@
             </a:pPr>
             <a:r>
               <a:rPr lang="en-US" dirty="0"/>
-              <a:t>compute():</a:t>
+              <a:t>The compute function calls into the </a:t>
+            </a:r>
+            <a:r>
+              <a:rPr lang="en-US" i="1" dirty="0" err="1"/>
+              <a:t>gemv</a:t>
+            </a:r>
+            <a:r>
+              <a:rPr lang="en-US" dirty="0"/>
+              <a:t> function on both PEs, and then branches depending upon the </a:t>
+            </a:r>
+            <a:r>
+              <a:rPr lang="en-US" i="1" dirty="0" err="1"/>
+              <a:t>pe_id</a:t>
+            </a:r>
+            <a:r>
+              <a:rPr lang="en-US" dirty="0"/>
+              <a:t> parameter (the rank of the PE). </a:t>
             </a:r>
           </a:p>
         </p:txBody>
@@ -6454,7 +6260,7 @@
           <a:p>
             <a:r>
               <a:rPr lang="en-US" dirty="0"/>
-              <a:t>Wash-up for ex2:</a:t>
+              <a:t>Wash-up for hands on exercise two:</a:t>
             </a:r>
           </a:p>
         </p:txBody>
@@ -6481,7 +6287,7 @@
         </p:blipFill>
         <p:spPr>
           <a:xfrm>
-            <a:off x="2711624" y="2391964"/>
+            <a:off x="2711624" y="2852936"/>
             <a:ext cx="7772400" cy="3154173"/>
           </a:xfrm>
           <a:prstGeom prst="rect">

--- a/lectures/powerpoints/hands-on-2+washup.pptx
+++ b/lectures/powerpoints/hands-on-2+washup.pptx
@@ -138,14 +138,6 @@
 </p:presentation>
 </file>
 
-<file path=ppt/revisionInfo.xml><?xml version="1.0" encoding="utf-8"?>
-<p1510:revInfo xmlns:a="http://schemas.openxmlformats.org/drawingml/2006/main" xmlns:r="http://schemas.openxmlformats.org/officeDocument/2006/relationships" xmlns:p1510="http://schemas.microsoft.com/office/powerpoint/2015/10/main">
-  <p1510:revLst>
-    <p1510:client id="{31031F49-A08A-4C63-9DBE-F8727125D082}" v="4" dt="2023-12-19T18:52:40.316"/>
-  </p1510:revLst>
-</p1510:revInfo>
-</file>
-
 <file path=ppt/handoutMasters/handoutMaster1.xml><?xml version="1.0" encoding="utf-8"?>
 <p:handoutMaster xmlns:a="http://schemas.openxmlformats.org/drawingml/2006/main" xmlns:r="http://schemas.openxmlformats.org/officeDocument/2006/relationships" xmlns:p="http://schemas.openxmlformats.org/presentationml/2006/main">
   <p:cSld>
@@ -203,7 +195,7 @@
           <a:p>
             <a:fld id="{237A3326-6BE8-4DE2-A526-66D6DC5DC342}" type="datetimeFigureOut">
               <a:rPr lang="en-GB" smtClean="0"/>
-              <a:t>19/12/2023</a:t>
+              <a:t>02/05/2024</a:t>
             </a:fld>
             <a:endParaRPr lang="en-GB"/>
           </a:p>
@@ -380,7 +372,7 @@
           <a:p>
             <a:fld id="{198E9702-0021-4473-93B9-41638846F4C4}" type="datetimeFigureOut">
               <a:rPr lang="en-GB" smtClean="0"/>
-              <a:t>19/12/2023</a:t>
+              <a:t>02/05/2024</a:t>
             </a:fld>
             <a:endParaRPr lang="en-GB"/>
           </a:p>
@@ -1522,7 +1514,7 @@
           <a:p>
             <a:fld id="{B1836D41-3C4D-1D49-AA54-4231464E6415}" type="datetimeFigureOut">
               <a:rPr lang="en-US" smtClean="0"/>
-              <a:t>12/19/2023</a:t>
+              <a:t>5/2/2024</a:t>
             </a:fld>
             <a:endParaRPr lang="en-US"/>
           </a:p>
@@ -1726,7 +1718,7 @@
           <a:p>
             <a:fld id="{B1836D41-3C4D-1D49-AA54-4231464E6415}" type="datetimeFigureOut">
               <a:rPr lang="en-US" smtClean="0"/>
-              <a:t>12/19/2023</a:t>
+              <a:t>5/2/2024</a:t>
             </a:fld>
             <a:endParaRPr lang="en-US"/>
           </a:p>
@@ -1907,7 +1899,7 @@
           <a:p>
             <a:fld id="{B1836D41-3C4D-1D49-AA54-4231464E6415}" type="datetimeFigureOut">
               <a:rPr lang="en-US" smtClean="0"/>
-              <a:t>12/19/2023</a:t>
+              <a:t>5/2/2024</a:t>
             </a:fld>
             <a:endParaRPr lang="en-US"/>
           </a:p>
@@ -2082,7 +2074,7 @@
           <a:p>
             <a:fld id="{B1836D41-3C4D-1D49-AA54-4231464E6415}" type="datetimeFigureOut">
               <a:rPr lang="en-US" smtClean="0"/>
-              <a:t>12/19/2023</a:t>
+              <a:t>5/2/2024</a:t>
             </a:fld>
             <a:endParaRPr lang="en-US"/>
           </a:p>
@@ -2330,7 +2322,7 @@
           <a:p>
             <a:fld id="{B1836D41-3C4D-1D49-AA54-4231464E6415}" type="datetimeFigureOut">
               <a:rPr lang="en-US" smtClean="0"/>
-              <a:t>12/19/2023</a:t>
+              <a:t>5/2/2024</a:t>
             </a:fld>
             <a:endParaRPr lang="en-US"/>
           </a:p>
@@ -2647,7 +2639,7 @@
           <a:p>
             <a:fld id="{B1836D41-3C4D-1D49-AA54-4231464E6415}" type="datetimeFigureOut">
               <a:rPr lang="en-US" smtClean="0"/>
-              <a:t>12/19/2023</a:t>
+              <a:t>5/2/2024</a:t>
             </a:fld>
             <a:endParaRPr lang="en-US"/>
           </a:p>
@@ -3113,7 +3105,7 @@
           <a:p>
             <a:fld id="{B1836D41-3C4D-1D49-AA54-4231464E6415}" type="datetimeFigureOut">
               <a:rPr lang="en-US" smtClean="0"/>
-              <a:t>12/19/2023</a:t>
+              <a:t>5/2/2024</a:t>
             </a:fld>
             <a:endParaRPr lang="en-US"/>
           </a:p>
@@ -3260,7 +3252,7 @@
           <a:p>
             <a:fld id="{B1836D41-3C4D-1D49-AA54-4231464E6415}" type="datetimeFigureOut">
               <a:rPr lang="en-US" smtClean="0"/>
-              <a:t>12/19/2023</a:t>
+              <a:t>5/2/2024</a:t>
             </a:fld>
             <a:endParaRPr lang="en-US"/>
           </a:p>
@@ -3350,7 +3342,7 @@
           <a:p>
             <a:fld id="{B1836D41-3C4D-1D49-AA54-4231464E6415}" type="datetimeFigureOut">
               <a:rPr lang="en-US" smtClean="0"/>
-              <a:t>12/19/2023</a:t>
+              <a:t>5/2/2024</a:t>
             </a:fld>
             <a:endParaRPr lang="en-US"/>
           </a:p>
@@ -3624,7 +3616,7 @@
           <a:p>
             <a:fld id="{B1836D41-3C4D-1D49-AA54-4231464E6415}" type="datetimeFigureOut">
               <a:rPr lang="en-US" smtClean="0"/>
-              <a:t>12/19/2023</a:t>
+              <a:t>5/2/2024</a:t>
             </a:fld>
             <a:endParaRPr lang="en-US"/>
           </a:p>
@@ -3929,7 +3921,7 @@
           <a:p>
             <a:fld id="{B1836D41-3C4D-1D49-AA54-4231464E6415}" type="datetimeFigureOut">
               <a:rPr lang="en-US" smtClean="0"/>
-              <a:t>12/19/2023</a:t>
+              <a:t>5/2/2024</a:t>
             </a:fld>
             <a:endParaRPr lang="en-US"/>
           </a:p>
@@ -4226,7 +4218,7 @@
           <a:p>
             <a:fld id="{B1836D41-3C4D-1D49-AA54-4231464E6415}" type="datetimeFigureOut">
               <a:rPr lang="en-US" smtClean="0"/>
-              <a:t>12/19/2023</a:t>
+              <a:t>5/2/2024</a:t>
             </a:fld>
             <a:endParaRPr lang="en-US"/>
           </a:p>
@@ -4998,13 +4990,8 @@
           <a:p>
             <a:r>
               <a:rPr lang="en-US" dirty="0"/>
-              <a:t>y = b + </a:t>
-            </a:r>
-            <a:r>
-              <a:rPr lang="en-US" dirty="0" err="1"/>
-              <a:t>A@x</a:t>
-            </a:r>
-            <a:endParaRPr lang="en-US" dirty="0"/>
+              <a:t>y = b + A*x</a:t>
+            </a:r>
           </a:p>
         </p:txBody>
       </p:sp>
@@ -5148,8 +5135,8 @@
         </p:nvSpPr>
         <p:spPr>
           <a:xfrm>
-            <a:off x="361543" y="1556792"/>
-            <a:ext cx="10998200" cy="4824518"/>
+            <a:off x="361543" y="1988840"/>
+            <a:ext cx="10998200" cy="4392470"/>
           </a:xfrm>
         </p:spPr>
         <p:txBody>
